--- a/jQuery/ppt/jQuery effects.pptx
+++ b/jQuery/ppt/jQuery effects.pptx
@@ -217,7 +217,7 @@
           <a:p>
             <a:fld id="{2B1893E8-BDAC-6B40-B3E4-8E1F34035BF2}" type="datetimeFigureOut">
               <a:rPr kumimoji="1" lang="zh-CN" altLang="en-US" smtClean="0"/>
-              <a:t>14-8-14</a:t>
+              <a:t>14-8-28</a:t>
             </a:fld>
             <a:endParaRPr kumimoji="1" lang="zh-CN" altLang="en-US"/>
           </a:p>
@@ -539,7 +539,7 @@
               <a:pPr>
                 <a:defRPr/>
               </a:pPr>
-              <a:t>2014年8月14日</a:t>
+              <a:t>2014年8月28日</a:t>
             </a:fld>
             <a:endParaRPr lang="en-US" dirty="0"/>
           </a:p>
@@ -729,7 +729,7 @@
               <a:pPr>
                 <a:defRPr/>
               </a:pPr>
-              <a:t>2014年8月14日</a:t>
+              <a:t>2014年8月28日</a:t>
             </a:fld>
             <a:endParaRPr lang="en-US" dirty="0"/>
           </a:p>
@@ -862,7 +862,7 @@
               <a:pPr>
                 <a:defRPr/>
               </a:pPr>
-              <a:t>2014年8月14日</a:t>
+              <a:t>2014年8月28日</a:t>
             </a:fld>
             <a:endParaRPr lang="en-US" dirty="0"/>
           </a:p>
@@ -1169,7 +1169,7 @@
           <a:p>
             <a:fld id="{2B1893E8-BDAC-6B40-B3E4-8E1F34035BF2}" type="datetimeFigureOut">
               <a:rPr kumimoji="1" lang="zh-CN" altLang="en-US" smtClean="0"/>
-              <a:t>14-8-14</a:t>
+              <a:t>14-8-28</a:t>
             </a:fld>
             <a:endParaRPr kumimoji="1" lang="zh-CN" altLang="en-US"/>
           </a:p>
@@ -1468,7 +1468,7 @@
               <a:pPr>
                 <a:defRPr/>
               </a:pPr>
-              <a:t>2014年8月14日</a:t>
+              <a:t>2014年8月28日</a:t>
             </a:fld>
             <a:endParaRPr lang="en-US" dirty="0"/>
           </a:p>
@@ -1911,7 +1911,7 @@
               <a:pPr>
                 <a:defRPr/>
               </a:pPr>
-              <a:t>2014年8月14日</a:t>
+              <a:t>2014年8月28日</a:t>
             </a:fld>
             <a:endParaRPr lang="en-US" dirty="0"/>
           </a:p>
@@ -2044,7 +2044,7 @@
               <a:pPr>
                 <a:defRPr/>
               </a:pPr>
-              <a:t>2014年8月14日</a:t>
+              <a:t>2014年8月28日</a:t>
             </a:fld>
             <a:endParaRPr lang="en-US" dirty="0"/>
           </a:p>
@@ -2149,7 +2149,7 @@
               <a:pPr>
                 <a:defRPr/>
               </a:pPr>
-              <a:t>2014年8月14日</a:t>
+              <a:t>2014年8月28日</a:t>
             </a:fld>
             <a:endParaRPr lang="en-US" dirty="0"/>
           </a:p>
@@ -2414,7 +2414,7 @@
               <a:pPr>
                 <a:defRPr/>
               </a:pPr>
-              <a:t>2014年8月14日</a:t>
+              <a:t>2014年8月28日</a:t>
             </a:fld>
             <a:endParaRPr lang="en-US"/>
           </a:p>
@@ -2945,7 +2945,7 @@
               <a:pPr>
                 <a:defRPr/>
               </a:pPr>
-              <a:t>2014年8月14日</a:t>
+              <a:t>2014年8月28日</a:t>
             </a:fld>
             <a:endParaRPr lang="en-US"/>
           </a:p>
@@ -3190,7 +3190,7 @@
               <a:pPr>
                 <a:defRPr/>
               </a:pPr>
-              <a:t>2014年8月14日</a:t>
+              <a:t>2014年8月28日</a:t>
             </a:fld>
             <a:endParaRPr lang="en-US" dirty="0"/>
           </a:p>
@@ -3975,19 +3975,7 @@
           <a:p>
             <a:r>
               <a:rPr kumimoji="1" lang="zh-CN" altLang="en-US" sz="2000" dirty="0" smtClean="0"/>
-              <a:t>上面代码中</a:t>
-            </a:r>
-            <a:r>
-              <a:rPr kumimoji="1" lang="zh-CN" altLang="en-US" sz="2000" dirty="0" smtClean="0"/>
-              <a:t>用定时器</a:t>
-            </a:r>
-            <a:r>
-              <a:rPr kumimoji="1" lang="zh-CN" altLang="en-US" sz="2000" dirty="0" smtClean="0"/>
-              <a:t>就</a:t>
-            </a:r>
-            <a:r>
-              <a:rPr kumimoji="1" lang="zh-CN" altLang="en-US" sz="2000" dirty="0" smtClean="0"/>
-              <a:t>实现</a:t>
+              <a:t>上面代码中用定时器就实现</a:t>
             </a:r>
             <a:r>
               <a:rPr kumimoji="1" lang="zh-CN" altLang="en-US" sz="2000" dirty="0"/>
@@ -3995,11 +3983,7 @@
             </a:r>
             <a:r>
               <a:rPr kumimoji="1" lang="zh-CN" altLang="en-US" sz="2000" dirty="0" smtClean="0"/>
-              <a:t>所有的动画</a:t>
-            </a:r>
-            <a:r>
-              <a:rPr kumimoji="1" lang="zh-CN" altLang="en-US" sz="2000" dirty="0" smtClean="0"/>
-              <a:t>，这就是所谓的主循环</a:t>
+              <a:t>所有的动画，这就是所谓的主循环</a:t>
             </a:r>
             <a:endParaRPr kumimoji="1" lang="zh-CN" altLang="en-US" sz="2000" dirty="0"/>
           </a:p>
@@ -4017,15 +4001,7 @@
                 <a:ea typeface="华文隶书"/>
                 <a:cs typeface="华文隶书"/>
               </a:rPr>
-              <a:t>它是怎么做</a:t>
-            </a:r>
-            <a:r>
-              <a:rPr kumimoji="1" lang="zh-CN" altLang="en-US" sz="2000" dirty="0" smtClean="0">
-                <a:latin typeface="华文隶书"/>
-                <a:ea typeface="华文隶书"/>
-                <a:cs typeface="华文隶书"/>
-              </a:rPr>
-              <a:t>到的呢？我们来看</a:t>
+              <a:t>它是怎么做到的呢？我们来看</a:t>
             </a:r>
             <a:r>
               <a:rPr kumimoji="1" lang="en-US" altLang="zh-CN" sz="2000" dirty="0" smtClean="0">
@@ -5263,7 +5239,15 @@
                 <a:ea typeface="华文隶书"/>
                 <a:cs typeface="华文隶书"/>
               </a:rPr>
-              <a:t>当</a:t>
+              <a:t>当我们调用</a:t>
+            </a:r>
+            <a:r>
+              <a:rPr kumimoji="1" lang="en-US" altLang="zh-CN" sz="2800" dirty="0" smtClean="0">
+                <a:latin typeface="华文隶书"/>
+                <a:ea typeface="华文隶书"/>
+                <a:cs typeface="华文隶书"/>
+              </a:rPr>
+              <a:t>animate</a:t>
             </a:r>
             <a:r>
               <a:rPr kumimoji="1" lang="zh-CN" altLang="en-US" sz="2800" dirty="0" smtClean="0">
@@ -5271,7 +5255,15 @@
                 <a:ea typeface="华文隶书"/>
                 <a:cs typeface="华文隶书"/>
               </a:rPr>
-              <a:t>我们</a:t>
+              <a:t>动画函数时，如果设置了时间参数，是否需要执行</a:t>
+            </a:r>
+            <a:r>
+              <a:rPr kumimoji="1" lang="en-US" altLang="zh-CN" sz="2800" dirty="0" smtClean="0">
+                <a:latin typeface="华文隶书"/>
+                <a:ea typeface="华文隶书"/>
+                <a:cs typeface="华文隶书"/>
+              </a:rPr>
+              <a:t>Animation</a:t>
             </a:r>
             <a:r>
               <a:rPr kumimoji="1" lang="zh-CN" altLang="en-US" sz="2800" dirty="0" smtClean="0">
@@ -5279,15 +5271,7 @@
                 <a:ea typeface="华文隶书"/>
                 <a:cs typeface="华文隶书"/>
               </a:rPr>
-              <a:t>调</a:t>
-            </a:r>
-            <a:r>
-              <a:rPr kumimoji="1" lang="zh-CN" altLang="en-US" sz="2800" dirty="0" smtClean="0">
-                <a:latin typeface="华文隶书"/>
-                <a:ea typeface="华文隶书"/>
-                <a:cs typeface="华文隶书"/>
-              </a:rPr>
-              <a:t>用</a:t>
+              <a:t>方法？（例：</a:t>
             </a:r>
             <a:r>
               <a:rPr kumimoji="1" lang="en-US" altLang="zh-CN" sz="2800" dirty="0" smtClean="0">
@@ -5295,79 +5279,7 @@
                 <a:ea typeface="华文隶书"/>
                 <a:cs typeface="华文隶书"/>
               </a:rPr>
-              <a:t>animate</a:t>
-            </a:r>
-            <a:r>
-              <a:rPr kumimoji="1" lang="zh-CN" altLang="en-US" sz="2800" dirty="0" smtClean="0">
-                <a:latin typeface="华文隶书"/>
-                <a:ea typeface="华文隶书"/>
-                <a:cs typeface="华文隶书"/>
-              </a:rPr>
-              <a:t>动画函数时，如果设置了时间参数，是否需要执行</a:t>
-            </a:r>
-            <a:r>
-              <a:rPr kumimoji="1" lang="en-US" altLang="zh-CN" sz="2800" dirty="0" smtClean="0">
-                <a:latin typeface="华文隶书"/>
-                <a:ea typeface="华文隶书"/>
-                <a:cs typeface="华文隶书"/>
-              </a:rPr>
-              <a:t>Animation</a:t>
-            </a:r>
-            <a:r>
-              <a:rPr kumimoji="1" lang="zh-CN" altLang="en-US" sz="2800" dirty="0" smtClean="0">
-                <a:latin typeface="华文隶书"/>
-                <a:ea typeface="华文隶书"/>
-                <a:cs typeface="华文隶书"/>
-              </a:rPr>
-              <a:t>方法？（例：</a:t>
-            </a:r>
-            <a:r>
-              <a:rPr kumimoji="1" lang="en-US" altLang="zh-CN" sz="2800" dirty="0" smtClean="0">
-                <a:latin typeface="华文隶书"/>
-                <a:ea typeface="华文隶书"/>
-                <a:cs typeface="华文隶书"/>
-              </a:rPr>
-              <a:t>$(‘p’)</a:t>
-            </a:r>
-            <a:r>
-              <a:rPr kumimoji="1" lang="en-US" altLang="zh-CN" sz="2800" dirty="0" smtClean="0">
-                <a:latin typeface="华文隶书"/>
-                <a:ea typeface="华文隶书"/>
-                <a:cs typeface="华文隶书"/>
-              </a:rPr>
-              <a:t>.</a:t>
-            </a:r>
-            <a:r>
-              <a:rPr kumimoji="1" lang="en-US" altLang="zh-CN" sz="2800" dirty="0" smtClean="0">
-                <a:latin typeface="华文隶书"/>
-                <a:ea typeface="华文隶书"/>
-                <a:cs typeface="华文隶书"/>
-              </a:rPr>
-              <a:t>show</a:t>
-            </a:r>
-            <a:r>
-              <a:rPr kumimoji="1" lang="en-US" altLang="zh-CN" sz="2800" dirty="0" smtClean="0">
-                <a:latin typeface="华文隶书"/>
-                <a:ea typeface="华文隶书"/>
-                <a:cs typeface="华文隶书"/>
-              </a:rPr>
-              <a:t>(</a:t>
-            </a:r>
-            <a:r>
-              <a:rPr kumimoji="1" lang="en-US" altLang="zh-CN" sz="2800" dirty="0" smtClean="0">
-                <a:latin typeface="华文隶书"/>
-                <a:ea typeface="华文隶书"/>
-                <a:cs typeface="华文隶书"/>
-              </a:rPr>
-              <a:t>2000</a:t>
-            </a:r>
-            <a:r>
-              <a:rPr kumimoji="1" lang="en-US" altLang="zh-CN" sz="2800" dirty="0" smtClean="0">
-                <a:latin typeface="华文隶书"/>
-                <a:ea typeface="华文隶书"/>
-                <a:cs typeface="华文隶书"/>
-              </a:rPr>
-              <a:t>)</a:t>
+              <a:t>$(‘p’).show(2000)</a:t>
             </a:r>
             <a:r>
               <a:rPr kumimoji="1" lang="zh-CN" altLang="en-US" sz="2800" dirty="0" smtClean="0">
@@ -5681,7 +5593,7 @@
                 <a:ea typeface="华文隶书"/>
                 <a:cs typeface="华文隶书"/>
               </a:rPr>
-              <a:t> </a:t>
+              <a:t> 都教授  </a:t>
             </a:r>
             <a:r>
               <a:rPr kumimoji="1" lang="zh-CN" altLang="en-US" sz="2800" dirty="0" smtClean="0">
@@ -5689,7 +5601,7 @@
                 <a:ea typeface="华文隶书"/>
                 <a:cs typeface="华文隶书"/>
               </a:rPr>
-              <a:t>都教授  </a:t>
+              <a:t> </a:t>
             </a:r>
             <a:r>
               <a:rPr kumimoji="1" lang="en-US" altLang="zh-CN" sz="2800" dirty="0" smtClean="0">
@@ -5700,20 +5612,52 @@
               <a:t>B</a:t>
             </a:r>
             <a:r>
+              <a:rPr kumimoji="1" lang="zh-CN" altLang="en-US" sz="2800" smtClean="0">
+                <a:latin typeface="华文隶书"/>
+                <a:ea typeface="华文隶书"/>
+                <a:cs typeface="华文隶书"/>
+              </a:rPr>
+              <a:t> </a:t>
+            </a:r>
+            <a:r>
+              <a:rPr kumimoji="1" lang="zh-CN" altLang="en-US" sz="2800" smtClean="0">
+                <a:latin typeface="华文隶书"/>
+                <a:ea typeface="华文隶书"/>
+                <a:cs typeface="华文隶书"/>
+              </a:rPr>
+              <a:t> </a:t>
+            </a:r>
+            <a:r>
+              <a:rPr kumimoji="1" lang="zh-CN" altLang="en-US" sz="2800" smtClean="0">
+                <a:latin typeface="华文隶书"/>
+                <a:ea typeface="华文隶书"/>
+                <a:cs typeface="华文隶书"/>
+              </a:rPr>
+              <a:t>雷骏 </a:t>
+            </a:r>
+            <a:r>
+              <a:rPr kumimoji="1" lang="zh-CN" altLang="en-US" sz="2800" smtClean="0">
+                <a:latin typeface="华文隶书"/>
+                <a:ea typeface="华文隶书"/>
+                <a:cs typeface="华文隶书"/>
+              </a:rPr>
+              <a:t>   </a:t>
+            </a:r>
+            <a:r>
+              <a:rPr kumimoji="1" lang="en-US" altLang="zh-CN" sz="2800" dirty="0" smtClean="0">
+                <a:latin typeface="华文隶书"/>
+                <a:ea typeface="华文隶书"/>
+                <a:cs typeface="华文隶书"/>
+              </a:rPr>
+              <a:t>C</a:t>
+            </a:r>
+            <a:r>
               <a:rPr kumimoji="1" lang="zh-CN" altLang="en-US" sz="2800" dirty="0" smtClean="0">
                 <a:latin typeface="华文隶书"/>
                 <a:ea typeface="华文隶书"/>
                 <a:cs typeface="华文隶书"/>
               </a:rPr>
-              <a:t> 雷骏 </a:t>
-            </a:r>
-            <a:r>
-              <a:rPr kumimoji="1" lang="en-US" altLang="zh-CN" sz="2800" dirty="0" smtClean="0">
-                <a:latin typeface="华文隶书"/>
-                <a:ea typeface="华文隶书"/>
-                <a:cs typeface="华文隶书"/>
-              </a:rPr>
-              <a:t>C</a:t>
+              <a:t> </a:t>
             </a:r>
             <a:r>
               <a:rPr kumimoji="1" lang="zh-CN" altLang="en-US" sz="2800" dirty="0" smtClean="0">
@@ -5721,7 +5665,15 @@
                 <a:ea typeface="华文隶书"/>
                 <a:cs typeface="华文隶书"/>
               </a:rPr>
-              <a:t>长腿欧巴</a:t>
+              <a:t>长</a:t>
+            </a:r>
+            <a:r>
+              <a:rPr kumimoji="1" lang="zh-CN" altLang="en-US" sz="2800" dirty="0" smtClean="0">
+                <a:latin typeface="华文隶书"/>
+                <a:ea typeface="华文隶书"/>
+                <a:cs typeface="华文隶书"/>
+              </a:rPr>
+              <a:t>腿欧巴</a:t>
             </a:r>
             <a:endParaRPr kumimoji="1" lang="zh-CN" altLang="en-US" sz="2800" dirty="0">
               <a:latin typeface="华文隶书"/>
